--- a/metadata/Metadata.pptx
+++ b/metadata/Metadata.pptx
@@ -12,6 +12,11 @@
     <p:sldId id="258" r:id="rId6"/>
     <p:sldId id="260" r:id="rId7"/>
     <p:sldId id="261" r:id="rId8"/>
+    <p:sldId id="263" r:id="rId9"/>
+    <p:sldId id="264" r:id="rId10"/>
+    <p:sldId id="265" r:id="rId11"/>
+    <p:sldId id="266" r:id="rId12"/>
+    <p:sldId id="267" r:id="rId13"/>
   </p:sldIdLst>
   <p:sldSz cx="12192000" cy="6858000"/>
   <p:notesSz cx="6858000" cy="9144000"/>
@@ -110,6 +115,11 @@
       </a:defRPr>
     </a:lvl9pPr>
   </p:defaultTextStyle>
+  <p:extLst>
+    <p:ext uri="{EFAFB233-063F-42B5-8137-9DF3F51BA10A}">
+      <p15:sldGuideLst xmlns:p15="http://schemas.microsoft.com/office/powerpoint/2012/main"/>
+    </p:ext>
+  </p:extLst>
 </p:presentation>
 </file>
 
@@ -260,7 +270,7 @@
           <a:p>
             <a:fld id="{1D2F793A-CAA5-48D1-A138-AF04B0ED20F5}" type="datetimeFigureOut">
               <a:rPr lang="en-GB" smtClean="0"/>
-              <a:t>25/08/2025</a:t>
+              <a:t>26/08/2025</a:t>
             </a:fld>
             <a:endParaRPr lang="en-GB"/>
           </a:p>
@@ -458,7 +468,7 @@
           <a:p>
             <a:fld id="{1D2F793A-CAA5-48D1-A138-AF04B0ED20F5}" type="datetimeFigureOut">
               <a:rPr lang="en-GB" smtClean="0"/>
-              <a:t>25/08/2025</a:t>
+              <a:t>26/08/2025</a:t>
             </a:fld>
             <a:endParaRPr lang="en-GB"/>
           </a:p>
@@ -666,7 +676,7 @@
           <a:p>
             <a:fld id="{1D2F793A-CAA5-48D1-A138-AF04B0ED20F5}" type="datetimeFigureOut">
               <a:rPr lang="en-GB" smtClean="0"/>
-              <a:t>25/08/2025</a:t>
+              <a:t>26/08/2025</a:t>
             </a:fld>
             <a:endParaRPr lang="en-GB"/>
           </a:p>
@@ -864,7 +874,7 @@
           <a:p>
             <a:fld id="{1D2F793A-CAA5-48D1-A138-AF04B0ED20F5}" type="datetimeFigureOut">
               <a:rPr lang="en-GB" smtClean="0"/>
-              <a:t>25/08/2025</a:t>
+              <a:t>26/08/2025</a:t>
             </a:fld>
             <a:endParaRPr lang="en-GB"/>
           </a:p>
@@ -1139,7 +1149,7 @@
           <a:p>
             <a:fld id="{1D2F793A-CAA5-48D1-A138-AF04B0ED20F5}" type="datetimeFigureOut">
               <a:rPr lang="en-GB" smtClean="0"/>
-              <a:t>25/08/2025</a:t>
+              <a:t>26/08/2025</a:t>
             </a:fld>
             <a:endParaRPr lang="en-GB"/>
           </a:p>
@@ -1404,7 +1414,7 @@
           <a:p>
             <a:fld id="{1D2F793A-CAA5-48D1-A138-AF04B0ED20F5}" type="datetimeFigureOut">
               <a:rPr lang="en-GB" smtClean="0"/>
-              <a:t>25/08/2025</a:t>
+              <a:t>26/08/2025</a:t>
             </a:fld>
             <a:endParaRPr lang="en-GB"/>
           </a:p>
@@ -1816,7 +1826,7 @@
           <a:p>
             <a:fld id="{1D2F793A-CAA5-48D1-A138-AF04B0ED20F5}" type="datetimeFigureOut">
               <a:rPr lang="en-GB" smtClean="0"/>
-              <a:t>25/08/2025</a:t>
+              <a:t>26/08/2025</a:t>
             </a:fld>
             <a:endParaRPr lang="en-GB"/>
           </a:p>
@@ -1957,7 +1967,7 @@
           <a:p>
             <a:fld id="{1D2F793A-CAA5-48D1-A138-AF04B0ED20F5}" type="datetimeFigureOut">
               <a:rPr lang="en-GB" smtClean="0"/>
-              <a:t>25/08/2025</a:t>
+              <a:t>26/08/2025</a:t>
             </a:fld>
             <a:endParaRPr lang="en-GB"/>
           </a:p>
@@ -2070,7 +2080,7 @@
           <a:p>
             <a:fld id="{1D2F793A-CAA5-48D1-A138-AF04B0ED20F5}" type="datetimeFigureOut">
               <a:rPr lang="en-GB" smtClean="0"/>
-              <a:t>25/08/2025</a:t>
+              <a:t>26/08/2025</a:t>
             </a:fld>
             <a:endParaRPr lang="en-GB"/>
           </a:p>
@@ -2381,7 +2391,7 @@
           <a:p>
             <a:fld id="{1D2F793A-CAA5-48D1-A138-AF04B0ED20F5}" type="datetimeFigureOut">
               <a:rPr lang="en-GB" smtClean="0"/>
-              <a:t>25/08/2025</a:t>
+              <a:t>26/08/2025</a:t>
             </a:fld>
             <a:endParaRPr lang="en-GB"/>
           </a:p>
@@ -2669,7 +2679,7 @@
           <a:p>
             <a:fld id="{1D2F793A-CAA5-48D1-A138-AF04B0ED20F5}" type="datetimeFigureOut">
               <a:rPr lang="en-GB" smtClean="0"/>
-              <a:t>25/08/2025</a:t>
+              <a:t>26/08/2025</a:t>
             </a:fld>
             <a:endParaRPr lang="en-GB"/>
           </a:p>
@@ -2910,7 +2920,7 @@
           <a:p>
             <a:fld id="{1D2F793A-CAA5-48D1-A138-AF04B0ED20F5}" type="datetimeFigureOut">
               <a:rPr lang="en-GB" smtClean="0"/>
-              <a:t>25/08/2025</a:t>
+              <a:t>26/08/2025</a:t>
             </a:fld>
             <a:endParaRPr lang="en-GB"/>
           </a:p>
@@ -3376,6 +3386,291 @@
 </p:sld>
 </file>
 
+<file path=ppt/slides/slide10.xml><?xml version="1.0" encoding="utf-8"?>
+<p:sld xmlns:a="http://schemas.openxmlformats.org/drawingml/2006/main" xmlns:r="http://schemas.openxmlformats.org/officeDocument/2006/relationships" xmlns:p="http://schemas.openxmlformats.org/presentationml/2006/main">
+  <p:cSld>
+    <p:spTree>
+      <p:nvGrpSpPr>
+        <p:cNvPr id="1" name=""/>
+        <p:cNvGrpSpPr/>
+        <p:nvPr/>
+      </p:nvGrpSpPr>
+      <p:grpSpPr>
+        <a:xfrm>
+          <a:off x="0" y="0"/>
+          <a:ext cx="0" cy="0"/>
+          <a:chOff x="0" y="0"/>
+          <a:chExt cx="0" cy="0"/>
+        </a:xfrm>
+      </p:grpSpPr>
+      <p:pic>
+        <p:nvPicPr>
+          <p:cNvPr id="2" name="Picture 1">
+            <a:extLst>
+              <a:ext uri="{FF2B5EF4-FFF2-40B4-BE49-F238E27FC236}">
+                <a16:creationId xmlns:a16="http://schemas.microsoft.com/office/drawing/2014/main" id="{A3C7E5AE-AA59-E3E3-9319-E085A43CD0BC}"/>
+              </a:ext>
+            </a:extLst>
+          </p:cNvPr>
+          <p:cNvPicPr>
+            <a:picLocks noChangeAspect="1"/>
+          </p:cNvPicPr>
+          <p:nvPr/>
+        </p:nvPicPr>
+        <p:blipFill>
+          <a:blip r:embed="rId2"/>
+          <a:stretch>
+            <a:fillRect/>
+          </a:stretch>
+        </p:blipFill>
+        <p:spPr>
+          <a:xfrm>
+            <a:off x="1046206" y="1276865"/>
+            <a:ext cx="9971784" cy="5240380"/>
+          </a:xfrm>
+          <a:prstGeom prst="rect">
+            <a:avLst/>
+          </a:prstGeom>
+        </p:spPr>
+      </p:pic>
+      <p:sp>
+        <p:nvSpPr>
+          <p:cNvPr id="3" name="TextBox 2">
+            <a:extLst>
+              <a:ext uri="{FF2B5EF4-FFF2-40B4-BE49-F238E27FC236}">
+                <a16:creationId xmlns:a16="http://schemas.microsoft.com/office/drawing/2014/main" id="{5CB7AD91-2A88-A5DE-EE96-5CCC89A75B61}"/>
+              </a:ext>
+            </a:extLst>
+          </p:cNvPr>
+          <p:cNvSpPr txBox="1"/>
+          <p:nvPr/>
+        </p:nvSpPr>
+        <p:spPr>
+          <a:xfrm>
+            <a:off x="383381" y="267450"/>
+            <a:ext cx="6096000" cy="584775"/>
+          </a:xfrm>
+          <a:prstGeom prst="rect">
+            <a:avLst/>
+          </a:prstGeom>
+          <a:noFill/>
+        </p:spPr>
+        <p:txBody>
+          <a:bodyPr wrap="square">
+            <a:spAutoFit/>
+          </a:bodyPr>
+          <a:lstStyle/>
+          <a:p>
+            <a:r>
+              <a:rPr lang="en-GB" sz="3200" b="1" dirty="0"/>
+              <a:t>Rainfall plot</a:t>
+            </a:r>
+          </a:p>
+        </p:txBody>
+      </p:sp>
+    </p:spTree>
+    <p:extLst>
+      <p:ext uri="{BB962C8B-B14F-4D97-AF65-F5344CB8AC3E}">
+        <p14:creationId xmlns:p14="http://schemas.microsoft.com/office/powerpoint/2010/main" val="2822275031"/>
+      </p:ext>
+    </p:extLst>
+  </p:cSld>
+  <p:clrMapOvr>
+    <a:masterClrMapping/>
+  </p:clrMapOvr>
+</p:sld>
+</file>
+
+<file path=ppt/slides/slide11.xml><?xml version="1.0" encoding="utf-8"?>
+<p:sld xmlns:a="http://schemas.openxmlformats.org/drawingml/2006/main" xmlns:r="http://schemas.openxmlformats.org/officeDocument/2006/relationships" xmlns:p="http://schemas.openxmlformats.org/presentationml/2006/main">
+  <p:cSld>
+    <p:spTree>
+      <p:nvGrpSpPr>
+        <p:cNvPr id="1" name=""/>
+        <p:cNvGrpSpPr/>
+        <p:nvPr/>
+      </p:nvGrpSpPr>
+      <p:grpSpPr>
+        <a:xfrm>
+          <a:off x="0" y="0"/>
+          <a:ext cx="0" cy="0"/>
+          <a:chOff x="0" y="0"/>
+          <a:chExt cx="0" cy="0"/>
+        </a:xfrm>
+      </p:grpSpPr>
+      <p:pic>
+        <p:nvPicPr>
+          <p:cNvPr id="2" name="Picture 1">
+            <a:extLst>
+              <a:ext uri="{FF2B5EF4-FFF2-40B4-BE49-F238E27FC236}">
+                <a16:creationId xmlns:a16="http://schemas.microsoft.com/office/drawing/2014/main" id="{93AD9D7D-1050-B04B-E5AF-E3200E2623F2}"/>
+              </a:ext>
+            </a:extLst>
+          </p:cNvPr>
+          <p:cNvPicPr>
+            <a:picLocks noChangeAspect="1"/>
+          </p:cNvPicPr>
+          <p:nvPr/>
+        </p:nvPicPr>
+        <p:blipFill>
+          <a:blip r:embed="rId2"/>
+          <a:stretch>
+            <a:fillRect/>
+          </a:stretch>
+        </p:blipFill>
+        <p:spPr>
+          <a:xfrm>
+            <a:off x="709583" y="1014863"/>
+            <a:ext cx="9826612" cy="5604240"/>
+          </a:xfrm>
+          <a:prstGeom prst="rect">
+            <a:avLst/>
+          </a:prstGeom>
+        </p:spPr>
+      </p:pic>
+      <p:sp>
+        <p:nvSpPr>
+          <p:cNvPr id="4" name="TextBox 3">
+            <a:extLst>
+              <a:ext uri="{FF2B5EF4-FFF2-40B4-BE49-F238E27FC236}">
+                <a16:creationId xmlns:a16="http://schemas.microsoft.com/office/drawing/2014/main" id="{29D72F5D-7282-D153-A0F3-A97E86DDC4F3}"/>
+              </a:ext>
+            </a:extLst>
+          </p:cNvPr>
+          <p:cNvSpPr txBox="1"/>
+          <p:nvPr/>
+        </p:nvSpPr>
+        <p:spPr>
+          <a:xfrm>
+            <a:off x="641150" y="343972"/>
+            <a:ext cx="7774187" cy="461665"/>
+          </a:xfrm>
+          <a:prstGeom prst="rect">
+            <a:avLst/>
+          </a:prstGeom>
+          <a:noFill/>
+        </p:spPr>
+        <p:txBody>
+          <a:bodyPr wrap="square">
+            <a:spAutoFit/>
+          </a:bodyPr>
+          <a:lstStyle/>
+          <a:p>
+            <a:r>
+              <a:rPr lang="en-GB" sz="2400" b="1" dirty="0"/>
+              <a:t>Compare mutation load against TCGA cohorts</a:t>
+            </a:r>
+          </a:p>
+        </p:txBody>
+      </p:sp>
+    </p:spTree>
+    <p:extLst>
+      <p:ext uri="{BB962C8B-B14F-4D97-AF65-F5344CB8AC3E}">
+        <p14:creationId xmlns:p14="http://schemas.microsoft.com/office/powerpoint/2010/main" val="523876165"/>
+      </p:ext>
+    </p:extLst>
+  </p:cSld>
+  <p:clrMapOvr>
+    <a:masterClrMapping/>
+  </p:clrMapOvr>
+</p:sld>
+</file>
+
+<file path=ppt/slides/slide12.xml><?xml version="1.0" encoding="utf-8"?>
+<p:sld xmlns:a="http://schemas.openxmlformats.org/drawingml/2006/main" xmlns:r="http://schemas.openxmlformats.org/officeDocument/2006/relationships" xmlns:p="http://schemas.openxmlformats.org/presentationml/2006/main">
+  <p:cSld>
+    <p:spTree>
+      <p:nvGrpSpPr>
+        <p:cNvPr id="1" name=""/>
+        <p:cNvGrpSpPr/>
+        <p:nvPr/>
+      </p:nvGrpSpPr>
+      <p:grpSpPr>
+        <a:xfrm>
+          <a:off x="0" y="0"/>
+          <a:ext cx="0" cy="0"/>
+          <a:chOff x="0" y="0"/>
+          <a:chExt cx="0" cy="0"/>
+        </a:xfrm>
+      </p:grpSpPr>
+      <p:pic>
+        <p:nvPicPr>
+          <p:cNvPr id="2" name="Picture 1">
+            <a:extLst>
+              <a:ext uri="{FF2B5EF4-FFF2-40B4-BE49-F238E27FC236}">
+                <a16:creationId xmlns:a16="http://schemas.microsoft.com/office/drawing/2014/main" id="{0DFCE52B-6A80-C63C-6399-AF7E1E2F0959}"/>
+              </a:ext>
+            </a:extLst>
+          </p:cNvPr>
+          <p:cNvPicPr>
+            <a:picLocks noChangeAspect="1"/>
+          </p:cNvPicPr>
+          <p:nvPr/>
+        </p:nvPicPr>
+        <p:blipFill>
+          <a:blip r:embed="rId2"/>
+          <a:stretch>
+            <a:fillRect/>
+          </a:stretch>
+        </p:blipFill>
+        <p:spPr>
+          <a:xfrm>
+            <a:off x="420195" y="782865"/>
+            <a:ext cx="10676238" cy="5931243"/>
+          </a:xfrm>
+          <a:prstGeom prst="rect">
+            <a:avLst/>
+          </a:prstGeom>
+        </p:spPr>
+      </p:pic>
+      <p:sp>
+        <p:nvSpPr>
+          <p:cNvPr id="4" name="TextBox 3">
+            <a:extLst>
+              <a:ext uri="{FF2B5EF4-FFF2-40B4-BE49-F238E27FC236}">
+                <a16:creationId xmlns:a16="http://schemas.microsoft.com/office/drawing/2014/main" id="{CD000B4A-4468-E6CC-B371-071F6001E447}"/>
+              </a:ext>
+            </a:extLst>
+          </p:cNvPr>
+          <p:cNvSpPr txBox="1"/>
+          <p:nvPr/>
+        </p:nvSpPr>
+        <p:spPr>
+          <a:xfrm>
+            <a:off x="512564" y="315396"/>
+            <a:ext cx="6097190" cy="461665"/>
+          </a:xfrm>
+          <a:prstGeom prst="rect">
+            <a:avLst/>
+          </a:prstGeom>
+          <a:noFill/>
+        </p:spPr>
+        <p:txBody>
+          <a:bodyPr wrap="square">
+            <a:spAutoFit/>
+          </a:bodyPr>
+          <a:lstStyle/>
+          <a:p>
+            <a:r>
+              <a:rPr lang="en-GB" sz="2400" b="1" dirty="0"/>
+              <a:t> Variant Allele Frequencies</a:t>
+            </a:r>
+          </a:p>
+        </p:txBody>
+      </p:sp>
+    </p:spTree>
+    <p:extLst>
+      <p:ext uri="{BB962C8B-B14F-4D97-AF65-F5344CB8AC3E}">
+        <p14:creationId xmlns:p14="http://schemas.microsoft.com/office/powerpoint/2010/main" val="971575135"/>
+      </p:ext>
+    </p:extLst>
+  </p:cSld>
+  <p:clrMapOvr>
+    <a:masterClrMapping/>
+  </p:clrMapOvr>
+</p:sld>
+</file>
+
 <file path=ppt/slides/slide2.xml><?xml version="1.0" encoding="utf-8"?>
 <p:sld xmlns:a="http://schemas.openxmlformats.org/drawingml/2006/main" xmlns:r="http://schemas.openxmlformats.org/officeDocument/2006/relationships" xmlns:p="http://schemas.openxmlformats.org/presentationml/2006/main">
   <p:cSld>
@@ -4370,6 +4665,42 @@
           <a:chExt cx="0" cy="0"/>
         </a:xfrm>
       </p:grpSpPr>
+      <p:sp>
+        <p:nvSpPr>
+          <p:cNvPr id="2" name="TextBox 1">
+            <a:extLst>
+              <a:ext uri="{FF2B5EF4-FFF2-40B4-BE49-F238E27FC236}">
+                <a16:creationId xmlns:a16="http://schemas.microsoft.com/office/drawing/2014/main" id="{C943459C-762D-6105-F628-CF1080383762}"/>
+              </a:ext>
+            </a:extLst>
+          </p:cNvPr>
+          <p:cNvSpPr txBox="1"/>
+          <p:nvPr/>
+        </p:nvSpPr>
+        <p:spPr>
+          <a:xfrm>
+            <a:off x="2584847" y="1905506"/>
+            <a:ext cx="7022307" cy="3046988"/>
+          </a:xfrm>
+          <a:prstGeom prst="rect">
+            <a:avLst/>
+          </a:prstGeom>
+          <a:noFill/>
+        </p:spPr>
+        <p:txBody>
+          <a:bodyPr wrap="square" rtlCol="0">
+            <a:spAutoFit/>
+          </a:bodyPr>
+          <a:lstStyle/>
+          <a:p>
+            <a:pPr algn="ctr"/>
+            <a:r>
+              <a:rPr lang="en-GB" sz="9600" b="1" dirty="0"/>
+              <a:t>MAF file overview</a:t>
+            </a:r>
+          </a:p>
+        </p:txBody>
+      </p:sp>
     </p:spTree>
     <p:extLst>
       <p:ext uri="{BB962C8B-B14F-4D97-AF65-F5344CB8AC3E}">
@@ -4406,10 +4737,269 @@
           <a:chExt cx="0" cy="0"/>
         </a:xfrm>
       </p:grpSpPr>
+      <p:pic>
+        <p:nvPicPr>
+          <p:cNvPr id="3" name="Picture 2">
+            <a:extLst>
+              <a:ext uri="{FF2B5EF4-FFF2-40B4-BE49-F238E27FC236}">
+                <a16:creationId xmlns:a16="http://schemas.microsoft.com/office/drawing/2014/main" id="{83F80681-59BF-ED88-38E5-5E77BD40958F}"/>
+              </a:ext>
+            </a:extLst>
+          </p:cNvPr>
+          <p:cNvPicPr>
+            <a:picLocks noChangeAspect="1"/>
+          </p:cNvPicPr>
+          <p:nvPr/>
+        </p:nvPicPr>
+        <p:blipFill>
+          <a:blip r:embed="rId2"/>
+          <a:stretch>
+            <a:fillRect/>
+          </a:stretch>
+        </p:blipFill>
+        <p:spPr>
+          <a:xfrm>
+            <a:off x="440532" y="905455"/>
+            <a:ext cx="10925175" cy="5741407"/>
+          </a:xfrm>
+          <a:prstGeom prst="rect">
+            <a:avLst/>
+          </a:prstGeom>
+        </p:spPr>
+      </p:pic>
+      <p:sp>
+        <p:nvSpPr>
+          <p:cNvPr id="4" name="TextBox 3">
+            <a:extLst>
+              <a:ext uri="{FF2B5EF4-FFF2-40B4-BE49-F238E27FC236}">
+                <a16:creationId xmlns:a16="http://schemas.microsoft.com/office/drawing/2014/main" id="{3940DED7-99FD-74A7-6038-C86B0D780522}"/>
+              </a:ext>
+            </a:extLst>
+          </p:cNvPr>
+          <p:cNvSpPr txBox="1"/>
+          <p:nvPr/>
+        </p:nvSpPr>
+        <p:spPr>
+          <a:xfrm>
+            <a:off x="328612" y="153988"/>
+            <a:ext cx="2302297" cy="369332"/>
+          </a:xfrm>
+          <a:prstGeom prst="rect">
+            <a:avLst/>
+          </a:prstGeom>
+          <a:noFill/>
+        </p:spPr>
+        <p:txBody>
+          <a:bodyPr wrap="none" rtlCol="0">
+            <a:spAutoFit/>
+          </a:bodyPr>
+          <a:lstStyle/>
+          <a:p>
+            <a:r>
+              <a:rPr lang="en-GB" b="1" dirty="0"/>
+              <a:t>Mutations Summary</a:t>
+            </a:r>
+          </a:p>
+        </p:txBody>
+      </p:sp>
     </p:spTree>
     <p:extLst>
       <p:ext uri="{BB962C8B-B14F-4D97-AF65-F5344CB8AC3E}">
         <p14:creationId xmlns:p14="http://schemas.microsoft.com/office/powerpoint/2010/main" val="1029933382"/>
+      </p:ext>
+    </p:extLst>
+  </p:cSld>
+  <p:clrMapOvr>
+    <a:masterClrMapping/>
+  </p:clrMapOvr>
+</p:sld>
+</file>
+
+<file path=ppt/slides/slide8.xml><?xml version="1.0" encoding="utf-8"?>
+<p:sld xmlns:a="http://schemas.openxmlformats.org/drawingml/2006/main" xmlns:r="http://schemas.openxmlformats.org/officeDocument/2006/relationships" xmlns:p="http://schemas.openxmlformats.org/presentationml/2006/main">
+  <p:cSld>
+    <p:spTree>
+      <p:nvGrpSpPr>
+        <p:cNvPr id="1" name=""/>
+        <p:cNvGrpSpPr/>
+        <p:nvPr/>
+      </p:nvGrpSpPr>
+      <p:grpSpPr>
+        <a:xfrm>
+          <a:off x="0" y="0"/>
+          <a:ext cx="0" cy="0"/>
+          <a:chOff x="0" y="0"/>
+          <a:chExt cx="0" cy="0"/>
+        </a:xfrm>
+      </p:grpSpPr>
+      <p:pic>
+        <p:nvPicPr>
+          <p:cNvPr id="3" name="Picture 2">
+            <a:extLst>
+              <a:ext uri="{FF2B5EF4-FFF2-40B4-BE49-F238E27FC236}">
+                <a16:creationId xmlns:a16="http://schemas.microsoft.com/office/drawing/2014/main" id="{A55BB3A1-6750-A6FB-4196-3F2C2C8215BF}"/>
+              </a:ext>
+            </a:extLst>
+          </p:cNvPr>
+          <p:cNvPicPr>
+            <a:picLocks noChangeAspect="1"/>
+          </p:cNvPicPr>
+          <p:nvPr/>
+        </p:nvPicPr>
+        <p:blipFill>
+          <a:blip r:embed="rId2"/>
+          <a:stretch>
+            <a:fillRect/>
+          </a:stretch>
+        </p:blipFill>
+        <p:spPr>
+          <a:xfrm>
+            <a:off x="328612" y="938454"/>
+            <a:ext cx="10658475" cy="5601251"/>
+          </a:xfrm>
+          <a:prstGeom prst="rect">
+            <a:avLst/>
+          </a:prstGeom>
+        </p:spPr>
+      </p:pic>
+      <p:sp>
+        <p:nvSpPr>
+          <p:cNvPr id="4" name="TextBox 3">
+            <a:extLst>
+              <a:ext uri="{FF2B5EF4-FFF2-40B4-BE49-F238E27FC236}">
+                <a16:creationId xmlns:a16="http://schemas.microsoft.com/office/drawing/2014/main" id="{B3C390B8-86FF-0F47-F6FF-43356D7DB053}"/>
+              </a:ext>
+            </a:extLst>
+          </p:cNvPr>
+          <p:cNvSpPr txBox="1"/>
+          <p:nvPr/>
+        </p:nvSpPr>
+        <p:spPr>
+          <a:xfrm>
+            <a:off x="328612" y="153988"/>
+            <a:ext cx="3503780" cy="369332"/>
+          </a:xfrm>
+          <a:prstGeom prst="rect">
+            <a:avLst/>
+          </a:prstGeom>
+          <a:noFill/>
+        </p:spPr>
+        <p:txBody>
+          <a:bodyPr wrap="none" rtlCol="0">
+            <a:spAutoFit/>
+          </a:bodyPr>
+          <a:lstStyle/>
+          <a:p>
+            <a:r>
+              <a:rPr lang="en-GB" b="1" dirty="0" err="1"/>
+              <a:t>Oncoplot</a:t>
+            </a:r>
+            <a:r>
+              <a:rPr lang="en-GB" b="1" dirty="0"/>
+              <a:t> for top mutated genes</a:t>
+            </a:r>
+          </a:p>
+        </p:txBody>
+      </p:sp>
+    </p:spTree>
+    <p:extLst>
+      <p:ext uri="{BB962C8B-B14F-4D97-AF65-F5344CB8AC3E}">
+        <p14:creationId xmlns:p14="http://schemas.microsoft.com/office/powerpoint/2010/main" val="1315743381"/>
+      </p:ext>
+    </p:extLst>
+  </p:cSld>
+  <p:clrMapOvr>
+    <a:masterClrMapping/>
+  </p:clrMapOvr>
+</p:sld>
+</file>
+
+<file path=ppt/slides/slide9.xml><?xml version="1.0" encoding="utf-8"?>
+<p:sld xmlns:a="http://schemas.openxmlformats.org/drawingml/2006/main" xmlns:r="http://schemas.openxmlformats.org/officeDocument/2006/relationships" xmlns:p="http://schemas.openxmlformats.org/presentationml/2006/main">
+  <p:cSld>
+    <p:spTree>
+      <p:nvGrpSpPr>
+        <p:cNvPr id="1" name=""/>
+        <p:cNvGrpSpPr/>
+        <p:nvPr/>
+      </p:nvGrpSpPr>
+      <p:grpSpPr>
+        <a:xfrm>
+          <a:off x="0" y="0"/>
+          <a:ext cx="0" cy="0"/>
+          <a:chOff x="0" y="0"/>
+          <a:chExt cx="0" cy="0"/>
+        </a:xfrm>
+      </p:grpSpPr>
+      <p:pic>
+        <p:nvPicPr>
+          <p:cNvPr id="2" name="Picture 1">
+            <a:extLst>
+              <a:ext uri="{FF2B5EF4-FFF2-40B4-BE49-F238E27FC236}">
+                <a16:creationId xmlns:a16="http://schemas.microsoft.com/office/drawing/2014/main" id="{A06E1E76-B238-ABE4-701F-2EBC9B1A7DE3}"/>
+              </a:ext>
+            </a:extLst>
+          </p:cNvPr>
+          <p:cNvPicPr>
+            <a:picLocks noChangeAspect="1"/>
+          </p:cNvPicPr>
+          <p:nvPr/>
+        </p:nvPicPr>
+        <p:blipFill>
+          <a:blip r:embed="rId2"/>
+          <a:stretch>
+            <a:fillRect/>
+          </a:stretch>
+        </p:blipFill>
+        <p:spPr>
+          <a:xfrm>
+            <a:off x="741732" y="1070918"/>
+            <a:ext cx="10708536" cy="5627559"/>
+          </a:xfrm>
+          <a:prstGeom prst="rect">
+            <a:avLst/>
+          </a:prstGeom>
+        </p:spPr>
+      </p:pic>
+      <p:sp>
+        <p:nvSpPr>
+          <p:cNvPr id="4" name="TextBox 3">
+            <a:extLst>
+              <a:ext uri="{FF2B5EF4-FFF2-40B4-BE49-F238E27FC236}">
+                <a16:creationId xmlns:a16="http://schemas.microsoft.com/office/drawing/2014/main" id="{E2BA9B35-45CD-5098-957A-175B4743E5A8}"/>
+              </a:ext>
+            </a:extLst>
+          </p:cNvPr>
+          <p:cNvSpPr txBox="1"/>
+          <p:nvPr/>
+        </p:nvSpPr>
+        <p:spPr>
+          <a:xfrm>
+            <a:off x="383381" y="267450"/>
+            <a:ext cx="6096000" cy="523220"/>
+          </a:xfrm>
+          <a:prstGeom prst="rect">
+            <a:avLst/>
+          </a:prstGeom>
+          <a:noFill/>
+        </p:spPr>
+        <p:txBody>
+          <a:bodyPr wrap="square">
+            <a:spAutoFit/>
+          </a:bodyPr>
+          <a:lstStyle/>
+          <a:p>
+            <a:r>
+              <a:rPr lang="en-GB" sz="2800" dirty="0"/>
+              <a:t>Transition and Transversions</a:t>
+            </a:r>
+          </a:p>
+        </p:txBody>
+      </p:sp>
+    </p:spTree>
+    <p:extLst>
+      <p:ext uri="{BB962C8B-B14F-4D97-AF65-F5344CB8AC3E}">
+        <p14:creationId xmlns:p14="http://schemas.microsoft.com/office/powerpoint/2010/main" val="1400024498"/>
       </p:ext>
     </p:extLst>
   </p:cSld>

--- a/metadata/Metadata.pptx
+++ b/metadata/Metadata.pptx
@@ -17,6 +17,8 @@
     <p:sldId id="265" r:id="rId11"/>
     <p:sldId id="266" r:id="rId12"/>
     <p:sldId id="267" r:id="rId13"/>
+    <p:sldId id="268" r:id="rId14"/>
+    <p:sldId id="269" r:id="rId15"/>
   </p:sldIdLst>
   <p:sldSz cx="12192000" cy="6858000"/>
   <p:notesSz cx="6858000" cy="9144000"/>
@@ -3662,6 +3664,66 @@
     <p:extLst>
       <p:ext uri="{BB962C8B-B14F-4D97-AF65-F5344CB8AC3E}">
         <p14:creationId xmlns:p14="http://schemas.microsoft.com/office/powerpoint/2010/main" val="971575135"/>
+      </p:ext>
+    </p:extLst>
+  </p:cSld>
+  <p:clrMapOvr>
+    <a:masterClrMapping/>
+  </p:clrMapOvr>
+</p:sld>
+</file>
+
+<file path=ppt/slides/slide13.xml><?xml version="1.0" encoding="utf-8"?>
+<p:sld xmlns:a="http://schemas.openxmlformats.org/drawingml/2006/main" xmlns:r="http://schemas.openxmlformats.org/officeDocument/2006/relationships" xmlns:p="http://schemas.openxmlformats.org/presentationml/2006/main">
+  <p:cSld>
+    <p:spTree>
+      <p:nvGrpSpPr>
+        <p:cNvPr id="1" name=""/>
+        <p:cNvGrpSpPr/>
+        <p:nvPr/>
+      </p:nvGrpSpPr>
+      <p:grpSpPr>
+        <a:xfrm>
+          <a:off x="0" y="0"/>
+          <a:ext cx="0" cy="0"/>
+          <a:chOff x="0" y="0"/>
+          <a:chExt cx="0" cy="0"/>
+        </a:xfrm>
+      </p:grpSpPr>
+    </p:spTree>
+    <p:extLst>
+      <p:ext uri="{BB962C8B-B14F-4D97-AF65-F5344CB8AC3E}">
+        <p14:creationId xmlns:p14="http://schemas.microsoft.com/office/powerpoint/2010/main" val="1433243359"/>
+      </p:ext>
+    </p:extLst>
+  </p:cSld>
+  <p:clrMapOvr>
+    <a:masterClrMapping/>
+  </p:clrMapOvr>
+</p:sld>
+</file>
+
+<file path=ppt/slides/slide14.xml><?xml version="1.0" encoding="utf-8"?>
+<p:sld xmlns:a="http://schemas.openxmlformats.org/drawingml/2006/main" xmlns:r="http://schemas.openxmlformats.org/officeDocument/2006/relationships" xmlns:p="http://schemas.openxmlformats.org/presentationml/2006/main">
+  <p:cSld>
+    <p:spTree>
+      <p:nvGrpSpPr>
+        <p:cNvPr id="1" name=""/>
+        <p:cNvGrpSpPr/>
+        <p:nvPr/>
+      </p:nvGrpSpPr>
+      <p:grpSpPr>
+        <a:xfrm>
+          <a:off x="0" y="0"/>
+          <a:ext cx="0" cy="0"/>
+          <a:chOff x="0" y="0"/>
+          <a:chExt cx="0" cy="0"/>
+        </a:xfrm>
+      </p:grpSpPr>
+    </p:spTree>
+    <p:extLst>
+      <p:ext uri="{BB962C8B-B14F-4D97-AF65-F5344CB8AC3E}">
+        <p14:creationId xmlns:p14="http://schemas.microsoft.com/office/powerpoint/2010/main" val="69495024"/>
       </p:ext>
     </p:extLst>
   </p:cSld>
